--- a/SYP- Präsi.pptx
+++ b/SYP- Präsi.pptx
@@ -20750,36 +20750,23 @@
             <p:ph type="title"/>
           </p:nvPr>
         </p:nvSpPr>
-        <p:spPr bwMode="grayWhite"/>
+        <p:spPr bwMode="grayWhite">
+          <a:xfrm>
+            <a:off x="838200" y="2766218"/>
+            <a:ext cx="10515600" cy="1325563"/>
+          </a:xfrm>
+        </p:spPr>
         <p:txBody>
           <a:bodyPr rtlCol="0"/>
           <a:lstStyle/>
           <a:p>
             <a:pPr rtl="0"/>
             <a:r>
-              <a:rPr lang="de-DE"/>
-              <a:t>VIDEOFOLIE</a:t>
+              <a:rPr lang="de-DE" dirty="0"/>
+              <a:t>Prototyp</a:t>
             </a:r>
           </a:p>
         </p:txBody>
-      </p:sp>
-      <p:sp>
-        <p:nvSpPr>
-          <p:cNvPr id="5" name="Medienplatzhalter 4" descr="Medien">
-            <a:extLst>
-              <a:ext uri="{FF2B5EF4-FFF2-40B4-BE49-F238E27FC236}">
-                <a16:creationId xmlns:a16="http://schemas.microsoft.com/office/drawing/2014/main" id="{E583FAB2-D6F1-45A5-84C9-0E809CA88C2F}"/>
-              </a:ext>
-            </a:extLst>
-          </p:cNvPr>
-          <p:cNvSpPr>
-            <a:spLocks noGrp="1"/>
-          </p:cNvSpPr>
-          <p:nvPr>
-            <p:ph type="media" sz="quarter" idx="17"/>
-          </p:nvPr>
-        </p:nvSpPr>
-        <p:spPr/>
       </p:sp>
       <p:sp>
         <p:nvSpPr>
@@ -21642,15 +21629,6 @@
 </file>
 
 <file path=customXml/item2.xml><?xml version="1.0" encoding="utf-8"?>
-<?mso-contentType ?>
-<FormTemplates xmlns="http://schemas.microsoft.com/sharepoint/v3/contenttype/forms">
-  <Display>DocumentLibraryForm</Display>
-  <Edit>DocumentLibraryForm</Edit>
-  <New>DocumentLibraryForm</New>
-</FormTemplates>
-</file>
-
-<file path=customXml/item3.xml><?xml version="1.0" encoding="utf-8"?>
 <ct:contentTypeSchema xmlns:ct="http://schemas.microsoft.com/office/2006/metadata/contentType" xmlns:ma="http://schemas.microsoft.com/office/2006/metadata/properties/metaAttributes" ct:_="" ma:_="" ma:contentTypeName="Dokument" ma:contentTypeID="0x0101000C0DF292CBD37A45BDB92E0A283F8FF9" ma:contentTypeVersion="10" ma:contentTypeDescription="Ein neues Dokument erstellen." ma:contentTypeScope="" ma:versionID="16d96a7330c3dd068266531104c3f3c4">
   <xsd:schema xmlns:xsd="http://www.w3.org/2001/XMLSchema" xmlns:xs="http://www.w3.org/2001/XMLSchema" xmlns:p="http://schemas.microsoft.com/office/2006/metadata/properties" xmlns:ns3="c2d3d569-9e62-4598-a009-022054453c0b" targetNamespace="http://schemas.microsoft.com/office/2006/metadata/properties" ma:root="true" ma:fieldsID="2eed2521d16c83da7b4205d464b9305e" ns3:_="">
     <xsd:import namespace="c2d3d569-9e62-4598-a009-022054453c0b"/>
@@ -21834,6 +21812,15 @@
 </ct:contentTypeSchema>
 </file>
 
+<file path=customXml/item3.xml><?xml version="1.0" encoding="utf-8"?>
+<?mso-contentType ?>
+<FormTemplates xmlns="http://schemas.microsoft.com/sharepoint/v3/contenttype/forms">
+  <Display>DocumentLibraryForm</Display>
+  <Edit>DocumentLibraryForm</Edit>
+  <New>DocumentLibraryForm</New>
+</FormTemplates>
+</file>
+
 <file path=customXml/itemProps1.xml><?xml version="1.0" encoding="utf-8"?>
 <ds:datastoreItem xmlns:ds="http://schemas.openxmlformats.org/officeDocument/2006/customXml" ds:itemID="{947A0EF5-23A9-4627-BC46-745B7DD804D2}">
   <ds:schemaRefs>
@@ -21851,14 +21838,6 @@
 </file>
 
 <file path=customXml/itemProps2.xml><?xml version="1.0" encoding="utf-8"?>
-<ds:datastoreItem xmlns:ds="http://schemas.openxmlformats.org/officeDocument/2006/customXml" ds:itemID="{8C5154C8-4BB5-43F2-9F6C-5E79271A0D50}">
-  <ds:schemaRefs>
-    <ds:schemaRef ds:uri="http://schemas.microsoft.com/sharepoint/v3/contenttype/forms"/>
-  </ds:schemaRefs>
-</ds:datastoreItem>
-</file>
-
-<file path=customXml/itemProps3.xml><?xml version="1.0" encoding="utf-8"?>
 <ds:datastoreItem xmlns:ds="http://schemas.openxmlformats.org/officeDocument/2006/customXml" ds:itemID="{13A0122E-7A7E-4B64-80A0-5A2A48F2C8F3}">
   <ds:schemaRefs>
     <ds:schemaRef ds:uri="http://schemas.microsoft.com/office/2006/metadata/contentType"/>
@@ -21874,4 +21853,12 @@
     <ds:schemaRef ds:uri="http://schemas.microsoft.com/internal/obd"/>
   </ds:schemaRefs>
 </ds:datastoreItem>
+</file>
+
+<file path=customXml/itemProps3.xml><?xml version="1.0" encoding="utf-8"?>
+<ds:datastoreItem xmlns:ds="http://schemas.openxmlformats.org/officeDocument/2006/customXml" ds:itemID="{8C5154C8-4BB5-43F2-9F6C-5E79271A0D50}">
+  <ds:schemaRefs>
+    <ds:schemaRef ds:uri="http://schemas.microsoft.com/sharepoint/v3/contenttype/forms"/>
+  </ds:schemaRefs>
+</ds:datastoreItem>
 </file>
--- a/SYP- Präsi.pptx
+++ b/SYP- Präsi.pptx
@@ -5,10 +5,10 @@
     <p:sldMasterId id="2147483648" r:id="rId4"/>
   </p:sldMasterIdLst>
   <p:notesMasterIdLst>
-    <p:notesMasterId r:id="rId16"/>
+    <p:notesMasterId r:id="rId15"/>
   </p:notesMasterIdLst>
   <p:handoutMasterIdLst>
-    <p:handoutMasterId r:id="rId17"/>
+    <p:handoutMasterId r:id="rId16"/>
   </p:handoutMasterIdLst>
   <p:sldIdLst>
     <p:sldId id="256" r:id="rId5"/>
@@ -21,7 +21,6 @@
     <p:sldId id="263" r:id="rId12"/>
     <p:sldId id="264" r:id="rId13"/>
     <p:sldId id="265" r:id="rId14"/>
-    <p:sldId id="266" r:id="rId15"/>
   </p:sldIdLst>
   <p:sldSz cx="12192000" cy="6858000"/>
   <p:notesSz cx="6858000" cy="9144000"/>
@@ -1160,7 +1159,7 @@
             <a:pPr rtl="0"/>
             <a:fld id="{C094B207-6237-458A-8FDB-86C5FD83D2E5}" type="datetime1">
               <a:rPr lang="de-DE" smtClean="0"/>
-              <a:t>20.06.2020</a:t>
+              <a:t>21.06.2020</a:t>
             </a:fld>
             <a:endParaRPr lang="de-DE" dirty="0"/>
           </a:p>
@@ -1342,7 +1341,7 @@
             <a:fld id="{09EFF09F-4361-4390-AC7D-B9A739EB71C7}" type="datetime1">
               <a:rPr lang="de-DE" smtClean="0"/>
               <a:pPr/>
-              <a:t>20.06.2020</a:t>
+              <a:t>21.06.2020</a:t>
             </a:fld>
             <a:endParaRPr lang="de-DE" dirty="0"/>
           </a:p>
@@ -1776,92 +1775,6 @@
     <p:extLst>
       <p:ext uri="{BB962C8B-B14F-4D97-AF65-F5344CB8AC3E}">
         <p14:creationId xmlns:p14="http://schemas.microsoft.com/office/powerpoint/2010/main" val="1343452107"/>
-      </p:ext>
-    </p:extLst>
-  </p:cSld>
-  <p:clrMapOvr>
-    <a:masterClrMapping/>
-  </p:clrMapOvr>
-</p:notes>
-</file>
-
-<file path=ppt/notesSlides/notesSlide11.xml><?xml version="1.0" encoding="utf-8"?>
-<p:notes xmlns:a="http://schemas.openxmlformats.org/drawingml/2006/main" xmlns:r="http://schemas.openxmlformats.org/officeDocument/2006/relationships" xmlns:p="http://schemas.openxmlformats.org/presentationml/2006/main">
-  <p:cSld>
-    <p:spTree>
-      <p:nvGrpSpPr>
-        <p:cNvPr id="1" name=""/>
-        <p:cNvGrpSpPr/>
-        <p:nvPr/>
-      </p:nvGrpSpPr>
-      <p:grpSpPr>
-        <a:xfrm>
-          <a:off x="0" y="0"/>
-          <a:ext cx="0" cy="0"/>
-          <a:chOff x="0" y="0"/>
-          <a:chExt cx="0" cy="0"/>
-        </a:xfrm>
-      </p:grpSpPr>
-      <p:sp>
-        <p:nvSpPr>
-          <p:cNvPr id="2" name="Folienbildplatzhalter 1"/>
-          <p:cNvSpPr>
-            <a:spLocks noGrp="1" noRot="1" noChangeAspect="1"/>
-          </p:cNvSpPr>
-          <p:nvPr>
-            <p:ph type="sldImg"/>
-          </p:nvPr>
-        </p:nvSpPr>
-        <p:spPr/>
-      </p:sp>
-      <p:sp>
-        <p:nvSpPr>
-          <p:cNvPr id="3" name="Notizenplatzhalter 2"/>
-          <p:cNvSpPr>
-            <a:spLocks noGrp="1"/>
-          </p:cNvSpPr>
-          <p:nvPr>
-            <p:ph type="body" idx="1"/>
-          </p:nvPr>
-        </p:nvSpPr>
-        <p:spPr/>
-        <p:txBody>
-          <a:bodyPr rtlCol="0"/>
-          <a:lstStyle/>
-          <a:p>
-            <a:pPr rtl="0"/>
-            <a:endParaRPr lang="de-DE"/>
-          </a:p>
-        </p:txBody>
-      </p:sp>
-      <p:sp>
-        <p:nvSpPr>
-          <p:cNvPr id="4" name="Foliennummernplatzhalter 3"/>
-          <p:cNvSpPr>
-            <a:spLocks noGrp="1"/>
-          </p:cNvSpPr>
-          <p:nvPr>
-            <p:ph type="sldNum" sz="quarter" idx="5"/>
-          </p:nvPr>
-        </p:nvSpPr>
-        <p:spPr/>
-        <p:txBody>
-          <a:bodyPr rtlCol="0"/>
-          <a:lstStyle/>
-          <a:p>
-            <a:pPr rtl="0"/>
-            <a:fld id="{53D78A92-0141-4330-8F3E-FAADFAC23844}" type="slidenum">
-              <a:rPr lang="de-DE" smtClean="0"/>
-              <a:t>11</a:t>
-            </a:fld>
-            <a:endParaRPr lang="de-DE"/>
-          </a:p>
-        </p:txBody>
-      </p:sp>
-    </p:spTree>
-    <p:extLst>
-      <p:ext uri="{BB962C8B-B14F-4D97-AF65-F5344CB8AC3E}">
-        <p14:creationId xmlns:p14="http://schemas.microsoft.com/office/powerpoint/2010/main" val="2558903011"/>
       </p:ext>
     </p:extLst>
   </p:cSld>
@@ -16019,10 +15932,7 @@
             <a:br>
               <a:rPr lang="de-DE" dirty="0"/>
             </a:br>
-            <a:r>
-              <a:rPr lang="de-DE" dirty="0"/>
-              <a:t>Aziz</a:t>
-            </a:r>
+            <a:endParaRPr lang="de-DE" dirty="0"/>
           </a:p>
         </p:txBody>
       </p:sp>
@@ -16056,10 +15966,9 @@
           <a:p>
             <a:pPr rtl="0"/>
             <a:r>
-              <a:rPr lang="de-DE" dirty="0" err="1"/>
-              <a:t>OverTime</a:t>
+              <a:rPr lang="de-DE" dirty="0"/>
+              <a:t>Overtime</a:t>
             </a:r>
-            <a:endParaRPr lang="de-DE" dirty="0"/>
           </a:p>
         </p:txBody>
       </p:sp>
@@ -16087,8 +15996,19 @@
             <a:pPr rtl="0"/>
             <a:r>
               <a:rPr lang="de-DE" dirty="0"/>
+              <a:t>3EHIF</a:t>
+            </a:r>
+          </a:p>
+          <a:p>
+            <a:pPr rtl="0"/>
+            <a:r>
+              <a:rPr lang="de-DE" dirty="0"/>
               <a:t>HTL- Donaustadt</a:t>
             </a:r>
+          </a:p>
+          <a:p>
+            <a:pPr rtl="0"/>
+            <a:endParaRPr lang="de-DE" dirty="0"/>
           </a:p>
         </p:txBody>
       </p:sp>
@@ -16143,139 +16063,6 @@
     <p:extLst>
       <p:ext uri="{BB962C8B-B14F-4D97-AF65-F5344CB8AC3E}">
         <p14:creationId xmlns:p14="http://schemas.microsoft.com/office/powerpoint/2010/main" val="2314201511"/>
-      </p:ext>
-    </p:extLst>
-  </p:cSld>
-  <p:clrMapOvr>
-    <a:masterClrMapping/>
-  </p:clrMapOvr>
-</p:sld>
-</file>
-
-<file path=ppt/slides/slide11.xml><?xml version="1.0" encoding="utf-8"?>
-<p:sld xmlns:a="http://schemas.openxmlformats.org/drawingml/2006/main" xmlns:r="http://schemas.openxmlformats.org/officeDocument/2006/relationships" xmlns:p="http://schemas.openxmlformats.org/presentationml/2006/main">
-  <p:cSld>
-    <p:spTree>
-      <p:nvGrpSpPr>
-        <p:cNvPr id="1" name=""/>
-        <p:cNvGrpSpPr/>
-        <p:nvPr/>
-      </p:nvGrpSpPr>
-      <p:grpSpPr>
-        <a:xfrm>
-          <a:off x="0" y="0"/>
-          <a:ext cx="0" cy="0"/>
-          <a:chOff x="0" y="0"/>
-          <a:chExt cx="0" cy="0"/>
-        </a:xfrm>
-      </p:grpSpPr>
-      <p:sp>
-        <p:nvSpPr>
-          <p:cNvPr id="4" name="Titel 3">
-            <a:extLst>
-              <a:ext uri="{FF2B5EF4-FFF2-40B4-BE49-F238E27FC236}">
-                <a16:creationId xmlns:a16="http://schemas.microsoft.com/office/drawing/2014/main" id="{E98DCA46-603B-4178-8707-30E192CE6B8D}"/>
-              </a:ext>
-            </a:extLst>
-          </p:cNvPr>
-          <p:cNvSpPr>
-            <a:spLocks noGrp="1"/>
-          </p:cNvSpPr>
-          <p:nvPr>
-            <p:ph type="title"/>
-          </p:nvPr>
-        </p:nvSpPr>
-        <p:spPr/>
-        <p:txBody>
-          <a:bodyPr rtlCol="0">
-            <a:normAutofit fontScale="90000"/>
-          </a:bodyPr>
-          <a:lstStyle/>
-          <a:p>
-            <a:pPr rtl="0"/>
-            <a:r>
-              <a:rPr lang="de"/>
-              <a:t>Diese Vorlage anpassen</a:t>
-            </a:r>
-          </a:p>
-        </p:txBody>
-      </p:sp>
-      <p:sp>
-        <p:nvSpPr>
-          <p:cNvPr id="8" name="Textfeld 7">
-            <a:hlinkClick r:id="rId3"/>
-            <a:extLst>
-              <a:ext uri="{FF2B5EF4-FFF2-40B4-BE49-F238E27FC236}">
-                <a16:creationId xmlns:a16="http://schemas.microsoft.com/office/drawing/2014/main" id="{5FC6C278-4035-446A-A94B-030E792FDDF5}"/>
-              </a:ext>
-            </a:extLst>
-          </p:cNvPr>
-          <p:cNvSpPr txBox="1"/>
-          <p:nvPr/>
-        </p:nvSpPr>
-        <p:spPr>
-          <a:xfrm>
-            <a:off x="1084446" y="2459504"/>
-            <a:ext cx="10023108" cy="1938992"/>
-          </a:xfrm>
-          <a:prstGeom prst="rect">
-            <a:avLst/>
-          </a:prstGeom>
-          <a:noFill/>
-        </p:spPr>
-        <p:txBody>
-          <a:bodyPr wrap="square" rtlCol="0">
-            <a:spAutoFit/>
-          </a:bodyPr>
-          <a:lstStyle/>
-          <a:p>
-            <a:pPr algn="ctr" rtl="0"/>
-            <a:r>
-              <a:rPr lang="de" sz="6000" u="sng" dirty="0">
-                <a:solidFill>
-                  <a:srgbClr val="0070C0"/>
-                </a:solidFill>
-              </a:rPr>
-              <a:t>Anweisungen und Feedback zum Bearbeiten der Vorlage</a:t>
-            </a:r>
-          </a:p>
-        </p:txBody>
-      </p:sp>
-      <p:sp>
-        <p:nvSpPr>
-          <p:cNvPr id="2" name="Foliennummernplatzhalter 1">
-            <a:extLst>
-              <a:ext uri="{FF2B5EF4-FFF2-40B4-BE49-F238E27FC236}">
-                <a16:creationId xmlns:a16="http://schemas.microsoft.com/office/drawing/2014/main" id="{97FC0424-40B9-486A-B71B-BA76CD90DDF4}"/>
-              </a:ext>
-            </a:extLst>
-          </p:cNvPr>
-          <p:cNvSpPr>
-            <a:spLocks noGrp="1"/>
-          </p:cNvSpPr>
-          <p:nvPr>
-            <p:ph type="sldNum" sz="quarter" idx="10"/>
-          </p:nvPr>
-        </p:nvSpPr>
-        <p:spPr/>
-        <p:txBody>
-          <a:bodyPr rtlCol="0"/>
-          <a:lstStyle/>
-          <a:p>
-            <a:pPr rtl="0"/>
-            <a:fld id="{D495E168-DA5E-4888-8D8A-92B118324C14}" type="slidenum">
-              <a:rPr lang="en-US" smtClean="0"/>
-              <a:pPr/>
-              <a:t>11</a:t>
-            </a:fld>
-            <a:endParaRPr lang="en-US"/>
-          </a:p>
-        </p:txBody>
-      </p:sp>
-    </p:spTree>
-    <p:extLst>
-      <p:ext uri="{BB962C8B-B14F-4D97-AF65-F5344CB8AC3E}">
-        <p14:creationId xmlns:p14="http://schemas.microsoft.com/office/powerpoint/2010/main" val="59582380"/>
       </p:ext>
     </p:extLst>
   </p:cSld>
@@ -16548,7 +16335,7 @@
               <a:buChar char="§"/>
             </a:pPr>
             <a:r>
-              <a:rPr lang="en-US" sz="3600" b="1" dirty="0">
+              <a:rPr lang="en-US" sz="3600" b="1" strike="sngStrike" dirty="0">
                 <a:solidFill>
                   <a:schemeClr val="bg1"/>
                 </a:solidFill>
@@ -17162,8 +16949,12 @@
           <a:p>
             <a:pPr rtl="0"/>
             <a:r>
-              <a:rPr lang="de-DE"/>
-              <a:t>TEXTLAYOUT 2</a:t>
+              <a:rPr lang="de-DE" dirty="0" err="1"/>
+              <a:t>Planing</a:t>
+            </a:r>
+            <a:r>
+              <a:rPr lang="de-DE" dirty="0"/>
+              <a:t> </a:t>
             </a:r>
           </a:p>
         </p:txBody>
@@ -17317,9 +17108,14 @@
           <a:p>
             <a:pPr rtl="0"/>
             <a:r>
-              <a:rPr lang="de-DE"/>
-              <a:t>VERGLEICH</a:t>
+              <a:rPr lang="de-DE" dirty="0"/>
+              <a:t>Technical </a:t>
             </a:r>
+            <a:r>
+              <a:rPr lang="de-DE" dirty="0" err="1"/>
+              <a:t>details</a:t>
+            </a:r>
+            <a:endParaRPr lang="de-DE" dirty="0"/>
           </a:p>
         </p:txBody>
       </p:sp>
@@ -20613,8 +20409,65 @@
             <a:fillRect/>
           </a:stretch>
         </p:blipFill>
-        <p:spPr/>
+        <p:spPr>
+          <a:xfrm>
+            <a:off x="-62800" y="0"/>
+            <a:ext cx="12161519" cy="6858000"/>
+          </a:xfrm>
+        </p:spPr>
       </p:pic>
+      <p:sp>
+        <p:nvSpPr>
+          <p:cNvPr id="6" name="Rechteck: abgerundete Ecken 5">
+            <a:extLst>
+              <a:ext uri="{FF2B5EF4-FFF2-40B4-BE49-F238E27FC236}">
+                <a16:creationId xmlns:a16="http://schemas.microsoft.com/office/drawing/2014/main" id="{5F1C6FDB-E98E-4F96-944D-0E4663B21559}"/>
+              </a:ext>
+            </a:extLst>
+          </p:cNvPr>
+          <p:cNvSpPr/>
+          <p:nvPr/>
+        </p:nvSpPr>
+        <p:spPr>
+          <a:xfrm>
+            <a:off x="1701393" y="3287436"/>
+            <a:ext cx="8650622" cy="1065766"/>
+          </a:xfrm>
+          <a:prstGeom prst="roundRect">
+            <a:avLst/>
+          </a:prstGeom>
+          <a:solidFill>
+            <a:schemeClr val="accent3">
+              <a:alpha val="50000"/>
+            </a:schemeClr>
+          </a:solidFill>
+          <a:ln>
+            <a:noFill/>
+          </a:ln>
+        </p:spPr>
+        <p:style>
+          <a:lnRef idx="0">
+            <a:scrgbClr r="0" g="0" b="0"/>
+          </a:lnRef>
+          <a:fillRef idx="0">
+            <a:scrgbClr r="0" g="0" b="0"/>
+          </a:fillRef>
+          <a:effectRef idx="0">
+            <a:scrgbClr r="0" g="0" b="0"/>
+          </a:effectRef>
+          <a:fontRef idx="minor">
+            <a:schemeClr val="lt1"/>
+          </a:fontRef>
+        </p:style>
+        <p:txBody>
+          <a:bodyPr rtlCol="0" anchor="ctr"/>
+          <a:lstStyle/>
+          <a:p>
+            <a:pPr algn="l"/>
+            <a:endParaRPr lang="en-US" dirty="0"/>
+          </a:p>
+        </p:txBody>
+      </p:sp>
       <p:sp>
         <p:nvSpPr>
           <p:cNvPr id="4" name="Titel 3">
@@ -20631,44 +20484,22 @@
             <p:ph type="title"/>
           </p:nvPr>
         </p:nvSpPr>
-        <p:spPr bwMode="auto"/>
+        <p:spPr bwMode="auto">
+          <a:xfrm>
+            <a:off x="760460" y="3429000"/>
+            <a:ext cx="10514998" cy="782638"/>
+          </a:xfrm>
+        </p:spPr>
         <p:txBody>
-          <a:bodyPr rtlCol="0"/>
+          <a:bodyPr rtlCol="0">
+            <a:noAutofit/>
+          </a:bodyPr>
           <a:lstStyle/>
           <a:p>
-            <a:pPr rtl="0"/>
+            <a:pPr algn="ctr" rtl="0"/>
             <a:r>
-              <a:rPr lang="de-DE"/>
-              <a:t>GROSSE BILDFOLIE</a:t>
-            </a:r>
-          </a:p>
-        </p:txBody>
-      </p:sp>
-      <p:sp>
-        <p:nvSpPr>
-          <p:cNvPr id="5" name="Textplatzhalter 4">
-            <a:extLst>
-              <a:ext uri="{FF2B5EF4-FFF2-40B4-BE49-F238E27FC236}">
-                <a16:creationId xmlns:a16="http://schemas.microsoft.com/office/drawing/2014/main" id="{5B4E4515-E409-46A3-BF8E-A723CC4A9068}"/>
-              </a:ext>
-            </a:extLst>
-          </p:cNvPr>
-          <p:cNvSpPr>
-            <a:spLocks noGrp="1"/>
-          </p:cNvSpPr>
-          <p:nvPr>
-            <p:ph type="body" sz="quarter" idx="13"/>
-          </p:nvPr>
-        </p:nvSpPr>
-        <p:spPr bwMode="auto"/>
-        <p:txBody>
-          <a:bodyPr rtlCol="0"/>
-          <a:lstStyle/>
-          <a:p>
-            <a:pPr rtl="0"/>
-            <a:r>
-              <a:rPr lang="de-DE"/>
-              <a:t>Lorem ipsum dolor sit amet, consectetuer adipiscing elit</a:t>
+              <a:rPr lang="de-DE" sz="7200" dirty="0"/>
+              <a:t>Individual Input </a:t>
             </a:r>
           </a:p>
         </p:txBody>
@@ -20792,7 +20623,7 @@
             <a:pPr rtl="0"/>
             <a:fld id="{D495E168-DA5E-4888-8D8A-92B118324C14}" type="slidenum">
               <a:rPr lang="de-DE" smtClean="0"/>
-              <a:pPr/>
+              <a:pPr rtl="0"/>
               <a:t>9</a:t>
             </a:fld>
             <a:endParaRPr lang="de-DE"/>
@@ -21629,6 +21460,15 @@
 </file>
 
 <file path=customXml/item2.xml><?xml version="1.0" encoding="utf-8"?>
+<?mso-contentType ?>
+<FormTemplates xmlns="http://schemas.microsoft.com/sharepoint/v3/contenttype/forms">
+  <Display>DocumentLibraryForm</Display>
+  <Edit>DocumentLibraryForm</Edit>
+  <New>DocumentLibraryForm</New>
+</FormTemplates>
+</file>
+
+<file path=customXml/item3.xml><?xml version="1.0" encoding="utf-8"?>
 <ct:contentTypeSchema xmlns:ct="http://schemas.microsoft.com/office/2006/metadata/contentType" xmlns:ma="http://schemas.microsoft.com/office/2006/metadata/properties/metaAttributes" ct:_="" ma:_="" ma:contentTypeName="Dokument" ma:contentTypeID="0x0101000C0DF292CBD37A45BDB92E0A283F8FF9" ma:contentTypeVersion="10" ma:contentTypeDescription="Ein neues Dokument erstellen." ma:contentTypeScope="" ma:versionID="16d96a7330c3dd068266531104c3f3c4">
   <xsd:schema xmlns:xsd="http://www.w3.org/2001/XMLSchema" xmlns:xs="http://www.w3.org/2001/XMLSchema" xmlns:p="http://schemas.microsoft.com/office/2006/metadata/properties" xmlns:ns3="c2d3d569-9e62-4598-a009-022054453c0b" targetNamespace="http://schemas.microsoft.com/office/2006/metadata/properties" ma:root="true" ma:fieldsID="2eed2521d16c83da7b4205d464b9305e" ns3:_="">
     <xsd:import namespace="c2d3d569-9e62-4598-a009-022054453c0b"/>
@@ -21812,15 +21652,6 @@
 </ct:contentTypeSchema>
 </file>
 
-<file path=customXml/item3.xml><?xml version="1.0" encoding="utf-8"?>
-<?mso-contentType ?>
-<FormTemplates xmlns="http://schemas.microsoft.com/sharepoint/v3/contenttype/forms">
-  <Display>DocumentLibraryForm</Display>
-  <Edit>DocumentLibraryForm</Edit>
-  <New>DocumentLibraryForm</New>
-</FormTemplates>
-</file>
-
 <file path=customXml/itemProps1.xml><?xml version="1.0" encoding="utf-8"?>
 <ds:datastoreItem xmlns:ds="http://schemas.openxmlformats.org/officeDocument/2006/customXml" ds:itemID="{947A0EF5-23A9-4627-BC46-745B7DD804D2}">
   <ds:schemaRefs>
@@ -21838,6 +21669,14 @@
 </file>
 
 <file path=customXml/itemProps2.xml><?xml version="1.0" encoding="utf-8"?>
+<ds:datastoreItem xmlns:ds="http://schemas.openxmlformats.org/officeDocument/2006/customXml" ds:itemID="{8C5154C8-4BB5-43F2-9F6C-5E79271A0D50}">
+  <ds:schemaRefs>
+    <ds:schemaRef ds:uri="http://schemas.microsoft.com/sharepoint/v3/contenttype/forms"/>
+  </ds:schemaRefs>
+</ds:datastoreItem>
+</file>
+
+<file path=customXml/itemProps3.xml><?xml version="1.0" encoding="utf-8"?>
 <ds:datastoreItem xmlns:ds="http://schemas.openxmlformats.org/officeDocument/2006/customXml" ds:itemID="{13A0122E-7A7E-4B64-80A0-5A2A48F2C8F3}">
   <ds:schemaRefs>
     <ds:schemaRef ds:uri="http://schemas.microsoft.com/office/2006/metadata/contentType"/>
@@ -21853,12 +21692,4 @@
     <ds:schemaRef ds:uri="http://schemas.microsoft.com/internal/obd"/>
   </ds:schemaRefs>
 </ds:datastoreItem>
-</file>
-
-<file path=customXml/itemProps3.xml><?xml version="1.0" encoding="utf-8"?>
-<ds:datastoreItem xmlns:ds="http://schemas.openxmlformats.org/officeDocument/2006/customXml" ds:itemID="{8C5154C8-4BB5-43F2-9F6C-5E79271A0D50}">
-  <ds:schemaRefs>
-    <ds:schemaRef ds:uri="http://schemas.microsoft.com/sharepoint/v3/contenttype/forms"/>
-  </ds:schemaRefs>
-</ds:datastoreItem>
 </file>